--- a/Template_presentazione_ASD.pptx
+++ b/Template_presentazione_ASD.pptx
@@ -199,7 +199,7 @@
           <a:p>
             <a:fld id="{2E2F62F8-06F6-4BBF-B973-0ACF951E6A86}" type="datetimeFigureOut">
               <a:rPr lang="it-IT" smtClean="0"/>
-              <a:t>21/10/21</a:t>
+              <a:t>13/11/21</a:t>
             </a:fld>
             <a:endParaRPr lang="it-IT"/>
           </a:p>
@@ -614,7 +614,7 @@
             <a:fld id="{76969C88-B244-455D-A017-012B25B1ACDD}" type="datetimeFigureOut">
               <a:rPr lang="en-US" smtClean="0"/>
               <a:pPr/>
-              <a:t>10/21/21</a:t>
+              <a:t>11/13/21</a:t>
             </a:fld>
             <a:endParaRPr lang="en-US"/>
           </a:p>
@@ -814,7 +814,7 @@
             <a:fld id="{76969C88-B244-455D-A017-012B25B1ACDD}" type="datetimeFigureOut">
               <a:rPr lang="en-US" smtClean="0"/>
               <a:pPr/>
-              <a:t>10/21/21</a:t>
+              <a:t>11/13/21</a:t>
             </a:fld>
             <a:endParaRPr lang="en-US"/>
           </a:p>
@@ -1024,7 +1024,7 @@
             <a:fld id="{76969C88-B244-455D-A017-012B25B1ACDD}" type="datetimeFigureOut">
               <a:rPr lang="en-US" smtClean="0"/>
               <a:pPr/>
-              <a:t>10/21/21</a:t>
+              <a:t>11/13/21</a:t>
             </a:fld>
             <a:endParaRPr lang="en-US"/>
           </a:p>
@@ -1344,7 +1344,7 @@
             <a:fld id="{76969C88-B244-455D-A017-012B25B1ACDD}" type="datetimeFigureOut">
               <a:rPr lang="en-US" smtClean="0"/>
               <a:pPr/>
-              <a:t>10/21/21</a:t>
+              <a:t>11/13/21</a:t>
             </a:fld>
             <a:endParaRPr lang="en-US"/>
           </a:p>
@@ -1597,7 +1597,7 @@
             <a:fld id="{76969C88-B244-455D-A017-012B25B1ACDD}" type="datetimeFigureOut">
               <a:rPr lang="en-US" smtClean="0"/>
               <a:pPr/>
-              <a:t>10/21/21</a:t>
+              <a:t>11/13/21</a:t>
             </a:fld>
             <a:endParaRPr lang="en-US"/>
           </a:p>
@@ -1906,7 +1906,7 @@
             <a:fld id="{76969C88-B244-455D-A017-012B25B1ACDD}" type="datetimeFigureOut">
               <a:rPr lang="en-US" smtClean="0"/>
               <a:pPr/>
-              <a:t>10/21/21</a:t>
+              <a:t>11/13/21</a:t>
             </a:fld>
             <a:endParaRPr lang="en-US"/>
           </a:p>
@@ -2210,7 +2210,7 @@
             <a:fld id="{76969C88-B244-455D-A017-012B25B1ACDD}" type="datetimeFigureOut">
               <a:rPr lang="en-US" smtClean="0"/>
               <a:pPr/>
-              <a:t>10/21/21</a:t>
+              <a:t>11/13/21</a:t>
             </a:fld>
             <a:endParaRPr lang="en-US"/>
           </a:p>
@@ -2639,7 +2639,7 @@
             <a:fld id="{76969C88-B244-455D-A017-012B25B1ACDD}" type="datetimeFigureOut">
               <a:rPr lang="en-US" smtClean="0"/>
               <a:pPr/>
-              <a:t>10/21/21</a:t>
+              <a:t>11/13/21</a:t>
             </a:fld>
             <a:endParaRPr lang="en-US"/>
           </a:p>
@@ -2741,7 +2741,7 @@
             <a:fld id="{76969C88-B244-455D-A017-012B25B1ACDD}" type="datetimeFigureOut">
               <a:rPr lang="en-US" smtClean="0"/>
               <a:pPr/>
-              <a:t>10/21/21</a:t>
+              <a:t>11/13/21</a:t>
             </a:fld>
             <a:endParaRPr lang="en-US"/>
           </a:p>
@@ -2905,7 +2905,7 @@
             <a:fld id="{76969C88-B244-455D-A017-012B25B1ACDD}" type="datetimeFigureOut">
               <a:rPr lang="en-US" smtClean="0"/>
               <a:pPr/>
-              <a:t>10/21/21</a:t>
+              <a:t>11/13/21</a:t>
             </a:fld>
             <a:endParaRPr lang="en-US"/>
           </a:p>
@@ -3285,7 +3285,7 @@
             <a:fld id="{76969C88-B244-455D-A017-012B25B1ACDD}" type="datetimeFigureOut">
               <a:rPr lang="en-US" smtClean="0"/>
               <a:pPr/>
-              <a:t>10/21/21</a:t>
+              <a:t>11/13/21</a:t>
             </a:fld>
             <a:endParaRPr lang="en-US"/>
           </a:p>
@@ -3500,7 +3500,7 @@
             <a:fld id="{76969C88-B244-455D-A017-012B25B1ACDD}" type="datetimeFigureOut">
               <a:rPr lang="en-US" smtClean="0"/>
               <a:pPr/>
-              <a:t>10/21/21</a:t>
+              <a:t>11/13/21</a:t>
             </a:fld>
             <a:endParaRPr lang="en-US"/>
           </a:p>
@@ -3781,7 +3781,7 @@
             <a:fld id="{76969C88-B244-455D-A017-012B25B1ACDD}" type="datetimeFigureOut">
               <a:rPr lang="en-US" smtClean="0"/>
               <a:pPr/>
-              <a:t>10/21/21</a:t>
+              <a:t>11/13/21</a:t>
             </a:fld>
             <a:endParaRPr lang="en-US"/>
           </a:p>
@@ -4013,7 +4013,7 @@
             <a:fld id="{76969C88-B244-455D-A017-012B25B1ACDD}" type="datetimeFigureOut">
               <a:rPr lang="en-US" smtClean="0"/>
               <a:pPr/>
-              <a:t>10/21/21</a:t>
+              <a:t>11/13/21</a:t>
             </a:fld>
             <a:endParaRPr lang="en-US"/>
           </a:p>
@@ -4250,7 +4250,7 @@
             <a:fld id="{76969C88-B244-455D-A017-012B25B1ACDD}" type="datetimeFigureOut">
               <a:rPr lang="en-US" smtClean="0"/>
               <a:pPr/>
-              <a:t>10/21/21</a:t>
+              <a:t>11/13/21</a:t>
             </a:fld>
             <a:endParaRPr lang="en-US"/>
           </a:p>
@@ -4536,7 +4536,7 @@
             <a:fld id="{76969C88-B244-455D-A017-012B25B1ACDD}" type="datetimeFigureOut">
               <a:rPr lang="en-US" smtClean="0"/>
               <a:pPr/>
-              <a:t>10/21/21</a:t>
+              <a:t>11/13/21</a:t>
             </a:fld>
             <a:endParaRPr lang="en-US"/>
           </a:p>
@@ -4803,7 +4803,7 @@
             <a:fld id="{76969C88-B244-455D-A017-012B25B1ACDD}" type="datetimeFigureOut">
               <a:rPr lang="en-US" smtClean="0"/>
               <a:pPr/>
-              <a:t>10/21/21</a:t>
+              <a:t>11/13/21</a:t>
             </a:fld>
             <a:endParaRPr lang="en-US"/>
           </a:p>
@@ -5217,7 +5217,7 @@
             <a:fld id="{76969C88-B244-455D-A017-012B25B1ACDD}" type="datetimeFigureOut">
               <a:rPr lang="en-US" smtClean="0"/>
               <a:pPr/>
-              <a:t>10/21/21</a:t>
+              <a:t>11/13/21</a:t>
             </a:fld>
             <a:endParaRPr lang="en-US"/>
           </a:p>
@@ -5360,7 +5360,7 @@
             <a:fld id="{76969C88-B244-455D-A017-012B25B1ACDD}" type="datetimeFigureOut">
               <a:rPr lang="en-US" smtClean="0"/>
               <a:pPr/>
-              <a:t>10/21/21</a:t>
+              <a:t>11/13/21</a:t>
             </a:fld>
             <a:endParaRPr lang="en-US"/>
           </a:p>
@@ -5475,7 +5475,7 @@
             <a:fld id="{76969C88-B244-455D-A017-012B25B1ACDD}" type="datetimeFigureOut">
               <a:rPr lang="en-US" smtClean="0"/>
               <a:pPr/>
-              <a:t>10/21/21</a:t>
+              <a:t>11/13/21</a:t>
             </a:fld>
             <a:endParaRPr lang="en-US"/>
           </a:p>
@@ -5788,7 +5788,7 @@
             <a:fld id="{76969C88-B244-455D-A017-012B25B1ACDD}" type="datetimeFigureOut">
               <a:rPr lang="en-US" smtClean="0"/>
               <a:pPr/>
-              <a:t>10/21/21</a:t>
+              <a:t>11/13/21</a:t>
             </a:fld>
             <a:endParaRPr lang="en-US"/>
           </a:p>
@@ -6078,7 +6078,7 @@
             <a:fld id="{76969C88-B244-455D-A017-012B25B1ACDD}" type="datetimeFigureOut">
               <a:rPr lang="en-US" smtClean="0"/>
               <a:pPr/>
-              <a:t>10/21/21</a:t>
+              <a:t>11/13/21</a:t>
             </a:fld>
             <a:endParaRPr lang="en-US"/>
           </a:p>
@@ -6321,7 +6321,7 @@
             <a:fld id="{76969C88-B244-455D-A017-012B25B1ACDD}" type="datetimeFigureOut">
               <a:rPr lang="en-US" smtClean="0"/>
               <a:pPr/>
-              <a:t>10/21/21</a:t>
+              <a:t>11/13/21</a:t>
             </a:fld>
             <a:endParaRPr lang="en-US"/>
           </a:p>
@@ -6873,7 +6873,7 @@
             <a:fld id="{76969C88-B244-455D-A017-012B25B1ACDD}" type="datetimeFigureOut">
               <a:rPr lang="en-US" smtClean="0"/>
               <a:pPr/>
-              <a:t>10/21/21</a:t>
+              <a:t>11/13/21</a:t>
             </a:fld>
             <a:endParaRPr lang="en-US"/>
           </a:p>
@@ -8142,8 +8142,12 @@
           <a:lstStyle/>
           <a:p>
             <a:r>
+              <a:rPr lang="it-IT" sz="2000" b="1" i="1"/>
+              <a:t>Gruppo 21</a:t>
+            </a:r>
+            <a:r>
               <a:rPr lang="it-IT" sz="2000" b="1" i="1" dirty="0"/>
-              <a:t>Gruppo 31:</a:t>
+              <a:t>:</a:t>
             </a:r>
           </a:p>
           <a:p>
@@ -9148,6 +9152,21 @@
 </file>
 
 <file path=customXml/item1.xml><?xml version="1.0" encoding="utf-8"?>
+<?mso-contentType ?>
+<FormTemplates xmlns="http://schemas.microsoft.com/sharepoint/v3/contenttype/forms">
+  <Display>DocumentLibraryForm</Display>
+  <Edit>DocumentLibraryForm</Edit>
+  <New>DocumentLibraryForm</New>
+</FormTemplates>
+</file>
+
+<file path=customXml/item2.xml><?xml version="1.0" encoding="utf-8"?>
+<p:properties xmlns:p="http://schemas.microsoft.com/office/2006/metadata/properties" xmlns:xsi="http://www.w3.org/2001/XMLSchema-instance" xmlns:pc="http://schemas.microsoft.com/office/infopath/2007/PartnerControls">
+  <documentManagement/>
+</p:properties>
+</file>
+
+<file path=customXml/item3.xml><?xml version="1.0" encoding="utf-8"?>
 <ct:contentTypeSchema xmlns:ct="http://schemas.microsoft.com/office/2006/metadata/contentType" xmlns:ma="http://schemas.microsoft.com/office/2006/metadata/properties/metaAttributes" ct:_="" ma:_="" ma:contentTypeName="Documento" ma:contentTypeID="0x010100F597B2CC0A46AC4F9AEEC319A5D986DD" ma:contentTypeVersion="4" ma:contentTypeDescription="Creare un nuovo documento." ma:contentTypeScope="" ma:versionID="da8d79b2f0650a92ad0f8e39ec8444da">
   <xsd:schema xmlns:xsd="http://www.w3.org/2001/XMLSchema" xmlns:xs="http://www.w3.org/2001/XMLSchema" xmlns:p="http://schemas.microsoft.com/office/2006/metadata/properties" xmlns:ns2="3db59c47-87aa-4831-b38a-f5382a46a091" targetNamespace="http://schemas.microsoft.com/office/2006/metadata/properties" ma:root="true" ma:fieldsID="b0ef70af52b68490fa3ff423a777f11f" ns2:_="">
     <xsd:import namespace="3db59c47-87aa-4831-b38a-f5382a46a091"/>
@@ -9291,22 +9310,24 @@
 </ct:contentTypeSchema>
 </file>
 
-<file path=customXml/item2.xml><?xml version="1.0" encoding="utf-8"?>
-<p:properties xmlns:p="http://schemas.microsoft.com/office/2006/metadata/properties" xmlns:xsi="http://www.w3.org/2001/XMLSchema-instance" xmlns:pc="http://schemas.microsoft.com/office/infopath/2007/PartnerControls">
-  <documentManagement/>
-</p:properties>
+<file path=customXml/itemProps1.xml><?xml version="1.0" encoding="utf-8"?>
+<ds:datastoreItem xmlns:ds="http://schemas.openxmlformats.org/officeDocument/2006/customXml" ds:itemID="{3C0A48E1-A8F1-4C64-817A-3B7134C980DE}">
+  <ds:schemaRefs>
+    <ds:schemaRef ds:uri="http://schemas.microsoft.com/sharepoint/v3/contenttype/forms"/>
+  </ds:schemaRefs>
+</ds:datastoreItem>
 </file>
 
-<file path=customXml/item3.xml><?xml version="1.0" encoding="utf-8"?>
-<?mso-contentType ?>
-<FormTemplates xmlns="http://schemas.microsoft.com/sharepoint/v3/contenttype/forms">
-  <Display>DocumentLibraryForm</Display>
-  <Edit>DocumentLibraryForm</Edit>
-  <New>DocumentLibraryForm</New>
-</FormTemplates>
+<file path=customXml/itemProps2.xml><?xml version="1.0" encoding="utf-8"?>
+<ds:datastoreItem xmlns:ds="http://schemas.openxmlformats.org/officeDocument/2006/customXml" ds:itemID="{C0BDC2F0-6C68-4731-ABF2-A3B1F4E51016}">
+  <ds:schemaRefs>
+    <ds:schemaRef ds:uri="http://schemas.microsoft.com/office/2006/metadata/properties"/>
+    <ds:schemaRef ds:uri="http://schemas.microsoft.com/office/infopath/2007/PartnerControls"/>
+  </ds:schemaRefs>
+</ds:datastoreItem>
 </file>
 
-<file path=customXml/itemProps1.xml><?xml version="1.0" encoding="utf-8"?>
+<file path=customXml/itemProps3.xml><?xml version="1.0" encoding="utf-8"?>
 <ds:datastoreItem xmlns:ds="http://schemas.openxmlformats.org/officeDocument/2006/customXml" ds:itemID="{46ED18A0-559B-439A-8DEF-1D5300666F73}">
   <ds:schemaRefs>
     <ds:schemaRef ds:uri="http://schemas.microsoft.com/office/2006/metadata/contentType"/>
@@ -9322,21 +9343,4 @@
     <ds:schemaRef ds:uri="http://schemas.microsoft.com/internal/obd"/>
   </ds:schemaRefs>
 </ds:datastoreItem>
-</file>
-
-<file path=customXml/itemProps2.xml><?xml version="1.0" encoding="utf-8"?>
-<ds:datastoreItem xmlns:ds="http://schemas.openxmlformats.org/officeDocument/2006/customXml" ds:itemID="{C0BDC2F0-6C68-4731-ABF2-A3B1F4E51016}">
-  <ds:schemaRefs>
-    <ds:schemaRef ds:uri="http://schemas.microsoft.com/office/2006/metadata/properties"/>
-    <ds:schemaRef ds:uri="http://schemas.microsoft.com/office/infopath/2007/PartnerControls"/>
-  </ds:schemaRefs>
-</ds:datastoreItem>
-</file>
-
-<file path=customXml/itemProps3.xml><?xml version="1.0" encoding="utf-8"?>
-<ds:datastoreItem xmlns:ds="http://schemas.openxmlformats.org/officeDocument/2006/customXml" ds:itemID="{3C0A48E1-A8F1-4C64-817A-3B7134C980DE}">
-  <ds:schemaRefs>
-    <ds:schemaRef ds:uri="http://schemas.microsoft.com/sharepoint/v3/contenttype/forms"/>
-  </ds:schemaRefs>
-</ds:datastoreItem>
 </file>